--- a/ppt 16-9/0948.精兵歌.pptx
+++ b/ppt 16-9/0948.精兵歌.pptx
@@ -129,7 +129,7 @@
           <p:cNvPr id="2" name="标题 1">
             <a:extLst>
               <a:ext uri="{FF2B5EF4-FFF2-40B4-BE49-F238E27FC236}">
-                <a16:creationId xmlns:a16="http://schemas.microsoft.com/office/drawing/2014/main" id="{D7488FE4-3B66-E902-5292-88BA92563F99}"/>
+                <a16:creationId xmlns:a16="http://schemas.microsoft.com/office/drawing/2014/main" id="{36F2497B-53E3-9C70-4EF4-FFC4EFB23FE5}"/>
               </a:ext>
             </a:extLst>
           </p:cNvPr>
@@ -166,7 +166,7 @@
           <p:cNvPr id="3" name="副标题 2">
             <a:extLst>
               <a:ext uri="{FF2B5EF4-FFF2-40B4-BE49-F238E27FC236}">
-                <a16:creationId xmlns:a16="http://schemas.microsoft.com/office/drawing/2014/main" id="{1DEC997C-DD2C-30D0-650E-B502936F8F51}"/>
+                <a16:creationId xmlns:a16="http://schemas.microsoft.com/office/drawing/2014/main" id="{5419A5B6-6C99-0C47-4B2B-35304529FF64}"/>
               </a:ext>
             </a:extLst>
           </p:cNvPr>
@@ -236,7 +236,7 @@
           <p:cNvPr id="4" name="日期占位符 3">
             <a:extLst>
               <a:ext uri="{FF2B5EF4-FFF2-40B4-BE49-F238E27FC236}">
-                <a16:creationId xmlns:a16="http://schemas.microsoft.com/office/drawing/2014/main" id="{E3331CE1-C62D-6CEA-0666-F08F9159D385}"/>
+                <a16:creationId xmlns:a16="http://schemas.microsoft.com/office/drawing/2014/main" id="{BD3341F8-9B9E-C75B-A5A5-A4A2494EB923}"/>
               </a:ext>
             </a:extLst>
           </p:cNvPr>
@@ -252,7 +252,7 @@
           <a:bodyPr/>
           <a:lstStyle/>
           <a:p>
-            <a:fld id="{C928D33D-BAD9-43D8-981F-04325A788D02}" type="datetimeFigureOut">
+            <a:fld id="{545F13A4-FD9F-45F9-804C-875FA12D1558}" type="datetimeFigureOut">
               <a:rPr lang="zh-CN" altLang="en-US" smtClean="0"/>
               <a:t>2024/3/10</a:t>
             </a:fld>
@@ -265,7 +265,7 @@
           <p:cNvPr id="5" name="页脚占位符 4">
             <a:extLst>
               <a:ext uri="{FF2B5EF4-FFF2-40B4-BE49-F238E27FC236}">
-                <a16:creationId xmlns:a16="http://schemas.microsoft.com/office/drawing/2014/main" id="{2200493A-6AB1-422F-EC48-90E9B3F7ECE2}"/>
+                <a16:creationId xmlns:a16="http://schemas.microsoft.com/office/drawing/2014/main" id="{A3638745-4458-A6BB-BD97-459F24CDF34C}"/>
               </a:ext>
             </a:extLst>
           </p:cNvPr>
@@ -290,7 +290,7 @@
           <p:cNvPr id="6" name="灯片编号占位符 5">
             <a:extLst>
               <a:ext uri="{FF2B5EF4-FFF2-40B4-BE49-F238E27FC236}">
-                <a16:creationId xmlns:a16="http://schemas.microsoft.com/office/drawing/2014/main" id="{A1B3D7A4-AC22-8095-7545-FB3F3CFB9AA3}"/>
+                <a16:creationId xmlns:a16="http://schemas.microsoft.com/office/drawing/2014/main" id="{A40D61C1-739B-ED6D-66EC-E4247DE84657}"/>
               </a:ext>
             </a:extLst>
           </p:cNvPr>
@@ -306,7 +306,7 @@
           <a:bodyPr/>
           <a:lstStyle/>
           <a:p>
-            <a:fld id="{49860FE1-78E0-4432-A1A7-F9A5AC1D90E9}" type="slidenum">
+            <a:fld id="{AF873868-C46C-43F0-A675-389F0C8BE464}" type="slidenum">
               <a:rPr lang="zh-CN" altLang="en-US" smtClean="0"/>
               <a:t>‹#›</a:t>
             </a:fld>
@@ -317,7 +317,7 @@
     </p:spTree>
     <p:extLst>
       <p:ext uri="{BB962C8B-B14F-4D97-AF65-F5344CB8AC3E}">
-        <p14:creationId xmlns:p14="http://schemas.microsoft.com/office/powerpoint/2010/main" val="1230881891"/>
+        <p14:creationId xmlns:p14="http://schemas.microsoft.com/office/powerpoint/2010/main" val="1637812161"/>
       </p:ext>
     </p:extLst>
   </p:cSld>
@@ -349,7 +349,7 @@
           <p:cNvPr id="2" name="标题 1">
             <a:extLst>
               <a:ext uri="{FF2B5EF4-FFF2-40B4-BE49-F238E27FC236}">
-                <a16:creationId xmlns:a16="http://schemas.microsoft.com/office/drawing/2014/main" id="{FFF1E8C4-54EB-4207-F542-164BC2D50B1D}"/>
+                <a16:creationId xmlns:a16="http://schemas.microsoft.com/office/drawing/2014/main" id="{FB00E5AB-64C9-C9DD-BC42-76FC4BE48513}"/>
               </a:ext>
             </a:extLst>
           </p:cNvPr>
@@ -377,7 +377,7 @@
           <p:cNvPr id="3" name="竖排文字占位符 2">
             <a:extLst>
               <a:ext uri="{FF2B5EF4-FFF2-40B4-BE49-F238E27FC236}">
-                <a16:creationId xmlns:a16="http://schemas.microsoft.com/office/drawing/2014/main" id="{CD295E6B-E811-A310-6EC9-027F050645D8}"/>
+                <a16:creationId xmlns:a16="http://schemas.microsoft.com/office/drawing/2014/main" id="{79BB2A78-D880-EAB7-9DD6-F84B29D1E059}"/>
               </a:ext>
             </a:extLst>
           </p:cNvPr>
@@ -434,7 +434,7 @@
           <p:cNvPr id="4" name="日期占位符 3">
             <a:extLst>
               <a:ext uri="{FF2B5EF4-FFF2-40B4-BE49-F238E27FC236}">
-                <a16:creationId xmlns:a16="http://schemas.microsoft.com/office/drawing/2014/main" id="{918CB79B-3505-A5EF-94F4-66E9099ACBCE}"/>
+                <a16:creationId xmlns:a16="http://schemas.microsoft.com/office/drawing/2014/main" id="{32BF28DF-1DAC-4FE6-BF86-6EC105378449}"/>
               </a:ext>
             </a:extLst>
           </p:cNvPr>
@@ -450,7 +450,7 @@
           <a:bodyPr/>
           <a:lstStyle/>
           <a:p>
-            <a:fld id="{C928D33D-BAD9-43D8-981F-04325A788D02}" type="datetimeFigureOut">
+            <a:fld id="{545F13A4-FD9F-45F9-804C-875FA12D1558}" type="datetimeFigureOut">
               <a:rPr lang="zh-CN" altLang="en-US" smtClean="0"/>
               <a:t>2024/3/10</a:t>
             </a:fld>
@@ -463,7 +463,7 @@
           <p:cNvPr id="5" name="页脚占位符 4">
             <a:extLst>
               <a:ext uri="{FF2B5EF4-FFF2-40B4-BE49-F238E27FC236}">
-                <a16:creationId xmlns:a16="http://schemas.microsoft.com/office/drawing/2014/main" id="{61B5FA6C-D49F-B11D-982F-F666C999EF47}"/>
+                <a16:creationId xmlns:a16="http://schemas.microsoft.com/office/drawing/2014/main" id="{A07D7102-CF06-34E9-DB6B-399CB8326D0E}"/>
               </a:ext>
             </a:extLst>
           </p:cNvPr>
@@ -488,7 +488,7 @@
           <p:cNvPr id="6" name="灯片编号占位符 5">
             <a:extLst>
               <a:ext uri="{FF2B5EF4-FFF2-40B4-BE49-F238E27FC236}">
-                <a16:creationId xmlns:a16="http://schemas.microsoft.com/office/drawing/2014/main" id="{084CE351-1B0F-D61D-DA3E-B2F26DCD4E02}"/>
+                <a16:creationId xmlns:a16="http://schemas.microsoft.com/office/drawing/2014/main" id="{BA9A36C5-96CA-EEF6-BACC-7BED7BA66185}"/>
               </a:ext>
             </a:extLst>
           </p:cNvPr>
@@ -504,7 +504,7 @@
           <a:bodyPr/>
           <a:lstStyle/>
           <a:p>
-            <a:fld id="{49860FE1-78E0-4432-A1A7-F9A5AC1D90E9}" type="slidenum">
+            <a:fld id="{AF873868-C46C-43F0-A675-389F0C8BE464}" type="slidenum">
               <a:rPr lang="zh-CN" altLang="en-US" smtClean="0"/>
               <a:t>‹#›</a:t>
             </a:fld>
@@ -515,7 +515,7 @@
     </p:spTree>
     <p:extLst>
       <p:ext uri="{BB962C8B-B14F-4D97-AF65-F5344CB8AC3E}">
-        <p14:creationId xmlns:p14="http://schemas.microsoft.com/office/powerpoint/2010/main" val="3517919998"/>
+        <p14:creationId xmlns:p14="http://schemas.microsoft.com/office/powerpoint/2010/main" val="3408596207"/>
       </p:ext>
     </p:extLst>
   </p:cSld>
@@ -547,7 +547,7 @@
           <p:cNvPr id="2" name="竖排标题 1">
             <a:extLst>
               <a:ext uri="{FF2B5EF4-FFF2-40B4-BE49-F238E27FC236}">
-                <a16:creationId xmlns:a16="http://schemas.microsoft.com/office/drawing/2014/main" id="{75070076-C884-9356-D10B-779CD699EF9D}"/>
+                <a16:creationId xmlns:a16="http://schemas.microsoft.com/office/drawing/2014/main" id="{1EFC9316-094F-512B-F7D3-2940C15F4A2A}"/>
               </a:ext>
             </a:extLst>
           </p:cNvPr>
@@ -580,7 +580,7 @@
           <p:cNvPr id="3" name="竖排文字占位符 2">
             <a:extLst>
               <a:ext uri="{FF2B5EF4-FFF2-40B4-BE49-F238E27FC236}">
-                <a16:creationId xmlns:a16="http://schemas.microsoft.com/office/drawing/2014/main" id="{C830233F-0EBD-82F4-BC26-F304FDCE9783}"/>
+                <a16:creationId xmlns:a16="http://schemas.microsoft.com/office/drawing/2014/main" id="{98EE1C1F-70C0-0C0E-93B9-A37FF64E7C79}"/>
               </a:ext>
             </a:extLst>
           </p:cNvPr>
@@ -642,7 +642,7 @@
           <p:cNvPr id="4" name="日期占位符 3">
             <a:extLst>
               <a:ext uri="{FF2B5EF4-FFF2-40B4-BE49-F238E27FC236}">
-                <a16:creationId xmlns:a16="http://schemas.microsoft.com/office/drawing/2014/main" id="{AA88B9F2-760E-30AB-7640-72E60FAED08E}"/>
+                <a16:creationId xmlns:a16="http://schemas.microsoft.com/office/drawing/2014/main" id="{7E3A05FD-A701-5F85-C5C0-0ACF2AC66CE4}"/>
               </a:ext>
             </a:extLst>
           </p:cNvPr>
@@ -658,7 +658,7 @@
           <a:bodyPr/>
           <a:lstStyle/>
           <a:p>
-            <a:fld id="{C928D33D-BAD9-43D8-981F-04325A788D02}" type="datetimeFigureOut">
+            <a:fld id="{545F13A4-FD9F-45F9-804C-875FA12D1558}" type="datetimeFigureOut">
               <a:rPr lang="zh-CN" altLang="en-US" smtClean="0"/>
               <a:t>2024/3/10</a:t>
             </a:fld>
@@ -671,7 +671,7 @@
           <p:cNvPr id="5" name="页脚占位符 4">
             <a:extLst>
               <a:ext uri="{FF2B5EF4-FFF2-40B4-BE49-F238E27FC236}">
-                <a16:creationId xmlns:a16="http://schemas.microsoft.com/office/drawing/2014/main" id="{B5656AEC-0680-6C57-633F-24B9B2B0CCF0}"/>
+                <a16:creationId xmlns:a16="http://schemas.microsoft.com/office/drawing/2014/main" id="{09D1BDBF-A169-74C5-013A-74B89D026AD9}"/>
               </a:ext>
             </a:extLst>
           </p:cNvPr>
@@ -696,7 +696,7 @@
           <p:cNvPr id="6" name="灯片编号占位符 5">
             <a:extLst>
               <a:ext uri="{FF2B5EF4-FFF2-40B4-BE49-F238E27FC236}">
-                <a16:creationId xmlns:a16="http://schemas.microsoft.com/office/drawing/2014/main" id="{E175240C-2279-2B6F-1C52-9DEA74598616}"/>
+                <a16:creationId xmlns:a16="http://schemas.microsoft.com/office/drawing/2014/main" id="{DF3B7855-DC45-E8D8-BDD8-59396EED9DD5}"/>
               </a:ext>
             </a:extLst>
           </p:cNvPr>
@@ -712,7 +712,7 @@
           <a:bodyPr/>
           <a:lstStyle/>
           <a:p>
-            <a:fld id="{49860FE1-78E0-4432-A1A7-F9A5AC1D90E9}" type="slidenum">
+            <a:fld id="{AF873868-C46C-43F0-A675-389F0C8BE464}" type="slidenum">
               <a:rPr lang="zh-CN" altLang="en-US" smtClean="0"/>
               <a:t>‹#›</a:t>
             </a:fld>
@@ -723,7 +723,7 @@
     </p:spTree>
     <p:extLst>
       <p:ext uri="{BB962C8B-B14F-4D97-AF65-F5344CB8AC3E}">
-        <p14:creationId xmlns:p14="http://schemas.microsoft.com/office/powerpoint/2010/main" val="1892287250"/>
+        <p14:creationId xmlns:p14="http://schemas.microsoft.com/office/powerpoint/2010/main" val="158099649"/>
       </p:ext>
     </p:extLst>
   </p:cSld>
@@ -755,7 +755,7 @@
           <p:cNvPr id="2" name="标题 1">
             <a:extLst>
               <a:ext uri="{FF2B5EF4-FFF2-40B4-BE49-F238E27FC236}">
-                <a16:creationId xmlns:a16="http://schemas.microsoft.com/office/drawing/2014/main" id="{722AB9ED-F49B-45C0-15A6-C0F0237B7BDF}"/>
+                <a16:creationId xmlns:a16="http://schemas.microsoft.com/office/drawing/2014/main" id="{6C2223A4-6E92-14A4-EDDE-81D86B214B93}"/>
               </a:ext>
             </a:extLst>
           </p:cNvPr>
@@ -783,7 +783,7 @@
           <p:cNvPr id="3" name="内容占位符 2">
             <a:extLst>
               <a:ext uri="{FF2B5EF4-FFF2-40B4-BE49-F238E27FC236}">
-                <a16:creationId xmlns:a16="http://schemas.microsoft.com/office/drawing/2014/main" id="{25AC5F6C-F9DF-DF3A-6A50-7E0D69F3AB1B}"/>
+                <a16:creationId xmlns:a16="http://schemas.microsoft.com/office/drawing/2014/main" id="{893591F3-A96C-E00D-C499-567DB9E106FA}"/>
               </a:ext>
             </a:extLst>
           </p:cNvPr>
@@ -840,7 +840,7 @@
           <p:cNvPr id="4" name="日期占位符 3">
             <a:extLst>
               <a:ext uri="{FF2B5EF4-FFF2-40B4-BE49-F238E27FC236}">
-                <a16:creationId xmlns:a16="http://schemas.microsoft.com/office/drawing/2014/main" id="{9E367004-9267-1B88-0A28-27C94FD00B0D}"/>
+                <a16:creationId xmlns:a16="http://schemas.microsoft.com/office/drawing/2014/main" id="{4D55608E-C1A3-1C54-B24D-557B055095CD}"/>
               </a:ext>
             </a:extLst>
           </p:cNvPr>
@@ -856,7 +856,7 @@
           <a:bodyPr/>
           <a:lstStyle/>
           <a:p>
-            <a:fld id="{C928D33D-BAD9-43D8-981F-04325A788D02}" type="datetimeFigureOut">
+            <a:fld id="{545F13A4-FD9F-45F9-804C-875FA12D1558}" type="datetimeFigureOut">
               <a:rPr lang="zh-CN" altLang="en-US" smtClean="0"/>
               <a:t>2024/3/10</a:t>
             </a:fld>
@@ -869,7 +869,7 @@
           <p:cNvPr id="5" name="页脚占位符 4">
             <a:extLst>
               <a:ext uri="{FF2B5EF4-FFF2-40B4-BE49-F238E27FC236}">
-                <a16:creationId xmlns:a16="http://schemas.microsoft.com/office/drawing/2014/main" id="{63DAAB54-D56D-0166-D321-A73A3768145B}"/>
+                <a16:creationId xmlns:a16="http://schemas.microsoft.com/office/drawing/2014/main" id="{F2C81759-78C3-285B-D245-CBBC491CC6B3}"/>
               </a:ext>
             </a:extLst>
           </p:cNvPr>
@@ -894,7 +894,7 @@
           <p:cNvPr id="6" name="灯片编号占位符 5">
             <a:extLst>
               <a:ext uri="{FF2B5EF4-FFF2-40B4-BE49-F238E27FC236}">
-                <a16:creationId xmlns:a16="http://schemas.microsoft.com/office/drawing/2014/main" id="{8C854D4F-51DF-A0C2-B47A-AC5628E248A2}"/>
+                <a16:creationId xmlns:a16="http://schemas.microsoft.com/office/drawing/2014/main" id="{267D8FD0-8BC5-B217-C519-70FC57C1C897}"/>
               </a:ext>
             </a:extLst>
           </p:cNvPr>
@@ -910,7 +910,7 @@
           <a:bodyPr/>
           <a:lstStyle/>
           <a:p>
-            <a:fld id="{49860FE1-78E0-4432-A1A7-F9A5AC1D90E9}" type="slidenum">
+            <a:fld id="{AF873868-C46C-43F0-A675-389F0C8BE464}" type="slidenum">
               <a:rPr lang="zh-CN" altLang="en-US" smtClean="0"/>
               <a:t>‹#›</a:t>
             </a:fld>
@@ -921,7 +921,7 @@
     </p:spTree>
     <p:extLst>
       <p:ext uri="{BB962C8B-B14F-4D97-AF65-F5344CB8AC3E}">
-        <p14:creationId xmlns:p14="http://schemas.microsoft.com/office/powerpoint/2010/main" val="2251374531"/>
+        <p14:creationId xmlns:p14="http://schemas.microsoft.com/office/powerpoint/2010/main" val="477931739"/>
       </p:ext>
     </p:extLst>
   </p:cSld>
@@ -953,7 +953,7 @@
           <p:cNvPr id="2" name="标题 1">
             <a:extLst>
               <a:ext uri="{FF2B5EF4-FFF2-40B4-BE49-F238E27FC236}">
-                <a16:creationId xmlns:a16="http://schemas.microsoft.com/office/drawing/2014/main" id="{BAC4EC09-6BAA-EC9C-2C16-48F639483E61}"/>
+                <a16:creationId xmlns:a16="http://schemas.microsoft.com/office/drawing/2014/main" id="{C8494A8C-CECB-807E-A0D0-83EDAFB723C3}"/>
               </a:ext>
             </a:extLst>
           </p:cNvPr>
@@ -990,7 +990,7 @@
           <p:cNvPr id="3" name="文本占位符 2">
             <a:extLst>
               <a:ext uri="{FF2B5EF4-FFF2-40B4-BE49-F238E27FC236}">
-                <a16:creationId xmlns:a16="http://schemas.microsoft.com/office/drawing/2014/main" id="{9D54E669-D02C-31E8-3E75-829850F15679}"/>
+                <a16:creationId xmlns:a16="http://schemas.microsoft.com/office/drawing/2014/main" id="{979D38B3-BDDB-6DAC-2EC7-6BA3C3900368}"/>
               </a:ext>
             </a:extLst>
           </p:cNvPr>
@@ -1115,7 +1115,7 @@
           <p:cNvPr id="4" name="日期占位符 3">
             <a:extLst>
               <a:ext uri="{FF2B5EF4-FFF2-40B4-BE49-F238E27FC236}">
-                <a16:creationId xmlns:a16="http://schemas.microsoft.com/office/drawing/2014/main" id="{6A8FE6AC-FB96-8475-9B8D-FDDE6348D15A}"/>
+                <a16:creationId xmlns:a16="http://schemas.microsoft.com/office/drawing/2014/main" id="{FDC606E8-A8B4-3856-E4A5-D02F2CAE6DAF}"/>
               </a:ext>
             </a:extLst>
           </p:cNvPr>
@@ -1131,7 +1131,7 @@
           <a:bodyPr/>
           <a:lstStyle/>
           <a:p>
-            <a:fld id="{C928D33D-BAD9-43D8-981F-04325A788D02}" type="datetimeFigureOut">
+            <a:fld id="{545F13A4-FD9F-45F9-804C-875FA12D1558}" type="datetimeFigureOut">
               <a:rPr lang="zh-CN" altLang="en-US" smtClean="0"/>
               <a:t>2024/3/10</a:t>
             </a:fld>
@@ -1144,7 +1144,7 @@
           <p:cNvPr id="5" name="页脚占位符 4">
             <a:extLst>
               <a:ext uri="{FF2B5EF4-FFF2-40B4-BE49-F238E27FC236}">
-                <a16:creationId xmlns:a16="http://schemas.microsoft.com/office/drawing/2014/main" id="{C6128387-C082-9F83-B429-95843C3182BC}"/>
+                <a16:creationId xmlns:a16="http://schemas.microsoft.com/office/drawing/2014/main" id="{186F32AA-2185-4874-4C84-792572534203}"/>
               </a:ext>
             </a:extLst>
           </p:cNvPr>
@@ -1169,7 +1169,7 @@
           <p:cNvPr id="6" name="灯片编号占位符 5">
             <a:extLst>
               <a:ext uri="{FF2B5EF4-FFF2-40B4-BE49-F238E27FC236}">
-                <a16:creationId xmlns:a16="http://schemas.microsoft.com/office/drawing/2014/main" id="{1D8C6888-D348-1882-86B1-F5DEE65A2ED8}"/>
+                <a16:creationId xmlns:a16="http://schemas.microsoft.com/office/drawing/2014/main" id="{B19C0D0B-298D-2B33-1C0F-0DAEB311A7F9}"/>
               </a:ext>
             </a:extLst>
           </p:cNvPr>
@@ -1185,7 +1185,7 @@
           <a:bodyPr/>
           <a:lstStyle/>
           <a:p>
-            <a:fld id="{49860FE1-78E0-4432-A1A7-F9A5AC1D90E9}" type="slidenum">
+            <a:fld id="{AF873868-C46C-43F0-A675-389F0C8BE464}" type="slidenum">
               <a:rPr lang="zh-CN" altLang="en-US" smtClean="0"/>
               <a:t>‹#›</a:t>
             </a:fld>
@@ -1196,7 +1196,7 @@
     </p:spTree>
     <p:extLst>
       <p:ext uri="{BB962C8B-B14F-4D97-AF65-F5344CB8AC3E}">
-        <p14:creationId xmlns:p14="http://schemas.microsoft.com/office/powerpoint/2010/main" val="2232905541"/>
+        <p14:creationId xmlns:p14="http://schemas.microsoft.com/office/powerpoint/2010/main" val="400065250"/>
       </p:ext>
     </p:extLst>
   </p:cSld>
@@ -1228,7 +1228,7 @@
           <p:cNvPr id="2" name="标题 1">
             <a:extLst>
               <a:ext uri="{FF2B5EF4-FFF2-40B4-BE49-F238E27FC236}">
-                <a16:creationId xmlns:a16="http://schemas.microsoft.com/office/drawing/2014/main" id="{1ACEC062-C1F2-6CC1-C292-E344C48C2C7C}"/>
+                <a16:creationId xmlns:a16="http://schemas.microsoft.com/office/drawing/2014/main" id="{1CC34F02-E4DF-81FE-D75F-4C135A3B30B5}"/>
               </a:ext>
             </a:extLst>
           </p:cNvPr>
@@ -1256,7 +1256,7 @@
           <p:cNvPr id="3" name="内容占位符 2">
             <a:extLst>
               <a:ext uri="{FF2B5EF4-FFF2-40B4-BE49-F238E27FC236}">
-                <a16:creationId xmlns:a16="http://schemas.microsoft.com/office/drawing/2014/main" id="{BAB6EC90-CB62-BACA-9CD1-0949D8C0CA71}"/>
+                <a16:creationId xmlns:a16="http://schemas.microsoft.com/office/drawing/2014/main" id="{E59E401E-CF43-35D9-AD3E-3F404A20B225}"/>
               </a:ext>
             </a:extLst>
           </p:cNvPr>
@@ -1318,7 +1318,7 @@
           <p:cNvPr id="4" name="内容占位符 3">
             <a:extLst>
               <a:ext uri="{FF2B5EF4-FFF2-40B4-BE49-F238E27FC236}">
-                <a16:creationId xmlns:a16="http://schemas.microsoft.com/office/drawing/2014/main" id="{59A3A9A0-91BE-64A8-F609-24E70B7F4C8A}"/>
+                <a16:creationId xmlns:a16="http://schemas.microsoft.com/office/drawing/2014/main" id="{3345531E-9CD9-D700-2A9D-93A581D4A846}"/>
               </a:ext>
             </a:extLst>
           </p:cNvPr>
@@ -1380,7 +1380,7 @@
           <p:cNvPr id="5" name="日期占位符 4">
             <a:extLst>
               <a:ext uri="{FF2B5EF4-FFF2-40B4-BE49-F238E27FC236}">
-                <a16:creationId xmlns:a16="http://schemas.microsoft.com/office/drawing/2014/main" id="{1DEDB111-8C72-FB16-9BCF-77D289D4E8D8}"/>
+                <a16:creationId xmlns:a16="http://schemas.microsoft.com/office/drawing/2014/main" id="{B6F193FD-C556-2D73-E769-A95C0FF4931B}"/>
               </a:ext>
             </a:extLst>
           </p:cNvPr>
@@ -1396,7 +1396,7 @@
           <a:bodyPr/>
           <a:lstStyle/>
           <a:p>
-            <a:fld id="{C928D33D-BAD9-43D8-981F-04325A788D02}" type="datetimeFigureOut">
+            <a:fld id="{545F13A4-FD9F-45F9-804C-875FA12D1558}" type="datetimeFigureOut">
               <a:rPr lang="zh-CN" altLang="en-US" smtClean="0"/>
               <a:t>2024/3/10</a:t>
             </a:fld>
@@ -1409,7 +1409,7 @@
           <p:cNvPr id="6" name="页脚占位符 5">
             <a:extLst>
               <a:ext uri="{FF2B5EF4-FFF2-40B4-BE49-F238E27FC236}">
-                <a16:creationId xmlns:a16="http://schemas.microsoft.com/office/drawing/2014/main" id="{8A2D4F98-D2E8-1531-755F-C9F05B900061}"/>
+                <a16:creationId xmlns:a16="http://schemas.microsoft.com/office/drawing/2014/main" id="{C08F54F5-DC97-6002-66A9-26897765FB92}"/>
               </a:ext>
             </a:extLst>
           </p:cNvPr>
@@ -1434,7 +1434,7 @@
           <p:cNvPr id="7" name="灯片编号占位符 6">
             <a:extLst>
               <a:ext uri="{FF2B5EF4-FFF2-40B4-BE49-F238E27FC236}">
-                <a16:creationId xmlns:a16="http://schemas.microsoft.com/office/drawing/2014/main" id="{12B4ABDB-6DAB-6A10-F289-1E5F61334898}"/>
+                <a16:creationId xmlns:a16="http://schemas.microsoft.com/office/drawing/2014/main" id="{D6332EA5-3A1A-827C-28A2-3369D3D4C403}"/>
               </a:ext>
             </a:extLst>
           </p:cNvPr>
@@ -1450,7 +1450,7 @@
           <a:bodyPr/>
           <a:lstStyle/>
           <a:p>
-            <a:fld id="{49860FE1-78E0-4432-A1A7-F9A5AC1D90E9}" type="slidenum">
+            <a:fld id="{AF873868-C46C-43F0-A675-389F0C8BE464}" type="slidenum">
               <a:rPr lang="zh-CN" altLang="en-US" smtClean="0"/>
               <a:t>‹#›</a:t>
             </a:fld>
@@ -1461,7 +1461,7 @@
     </p:spTree>
     <p:extLst>
       <p:ext uri="{BB962C8B-B14F-4D97-AF65-F5344CB8AC3E}">
-        <p14:creationId xmlns:p14="http://schemas.microsoft.com/office/powerpoint/2010/main" val="3438610576"/>
+        <p14:creationId xmlns:p14="http://schemas.microsoft.com/office/powerpoint/2010/main" val="1407243238"/>
       </p:ext>
     </p:extLst>
   </p:cSld>
@@ -1493,7 +1493,7 @@
           <p:cNvPr id="2" name="标题 1">
             <a:extLst>
               <a:ext uri="{FF2B5EF4-FFF2-40B4-BE49-F238E27FC236}">
-                <a16:creationId xmlns:a16="http://schemas.microsoft.com/office/drawing/2014/main" id="{6ED4F286-0B14-5C93-F5E1-D66DAED1F65D}"/>
+                <a16:creationId xmlns:a16="http://schemas.microsoft.com/office/drawing/2014/main" id="{88630E9F-3D99-623D-F49F-9C5F067B228A}"/>
               </a:ext>
             </a:extLst>
           </p:cNvPr>
@@ -1526,7 +1526,7 @@
           <p:cNvPr id="3" name="文本占位符 2">
             <a:extLst>
               <a:ext uri="{FF2B5EF4-FFF2-40B4-BE49-F238E27FC236}">
-                <a16:creationId xmlns:a16="http://schemas.microsoft.com/office/drawing/2014/main" id="{6A9E43E1-48FA-98B3-F16D-823E5295DCCE}"/>
+                <a16:creationId xmlns:a16="http://schemas.microsoft.com/office/drawing/2014/main" id="{92E6FDD2-65A9-F59B-32D0-F4EF7CEE2AEC}"/>
               </a:ext>
             </a:extLst>
           </p:cNvPr>
@@ -1597,7 +1597,7 @@
           <p:cNvPr id="4" name="内容占位符 3">
             <a:extLst>
               <a:ext uri="{FF2B5EF4-FFF2-40B4-BE49-F238E27FC236}">
-                <a16:creationId xmlns:a16="http://schemas.microsoft.com/office/drawing/2014/main" id="{2ABAA02E-B0A3-918D-B982-658759D61681}"/>
+                <a16:creationId xmlns:a16="http://schemas.microsoft.com/office/drawing/2014/main" id="{EEA508FC-9DDC-A324-B7A9-273AF6D8A354}"/>
               </a:ext>
             </a:extLst>
           </p:cNvPr>
@@ -1659,7 +1659,7 @@
           <p:cNvPr id="5" name="文本占位符 4">
             <a:extLst>
               <a:ext uri="{FF2B5EF4-FFF2-40B4-BE49-F238E27FC236}">
-                <a16:creationId xmlns:a16="http://schemas.microsoft.com/office/drawing/2014/main" id="{64EB90FE-EE37-1107-D4C5-76B27F30D0C2}"/>
+                <a16:creationId xmlns:a16="http://schemas.microsoft.com/office/drawing/2014/main" id="{569DEC17-0F83-7B0B-34E0-7B5DF925C5AB}"/>
               </a:ext>
             </a:extLst>
           </p:cNvPr>
@@ -1730,7 +1730,7 @@
           <p:cNvPr id="6" name="内容占位符 5">
             <a:extLst>
               <a:ext uri="{FF2B5EF4-FFF2-40B4-BE49-F238E27FC236}">
-                <a16:creationId xmlns:a16="http://schemas.microsoft.com/office/drawing/2014/main" id="{7740827D-E6F8-EF5A-3687-C30874EFEDCC}"/>
+                <a16:creationId xmlns:a16="http://schemas.microsoft.com/office/drawing/2014/main" id="{424B650F-FF82-6AFC-2C66-4548C6DB7ABB}"/>
               </a:ext>
             </a:extLst>
           </p:cNvPr>
@@ -1792,7 +1792,7 @@
           <p:cNvPr id="7" name="日期占位符 6">
             <a:extLst>
               <a:ext uri="{FF2B5EF4-FFF2-40B4-BE49-F238E27FC236}">
-                <a16:creationId xmlns:a16="http://schemas.microsoft.com/office/drawing/2014/main" id="{647AF02B-289C-5B60-FD98-E2897955E684}"/>
+                <a16:creationId xmlns:a16="http://schemas.microsoft.com/office/drawing/2014/main" id="{A895D75C-E409-DCF3-183E-D885E355A2C5}"/>
               </a:ext>
             </a:extLst>
           </p:cNvPr>
@@ -1808,7 +1808,7 @@
           <a:bodyPr/>
           <a:lstStyle/>
           <a:p>
-            <a:fld id="{C928D33D-BAD9-43D8-981F-04325A788D02}" type="datetimeFigureOut">
+            <a:fld id="{545F13A4-FD9F-45F9-804C-875FA12D1558}" type="datetimeFigureOut">
               <a:rPr lang="zh-CN" altLang="en-US" smtClean="0"/>
               <a:t>2024/3/10</a:t>
             </a:fld>
@@ -1821,7 +1821,7 @@
           <p:cNvPr id="8" name="页脚占位符 7">
             <a:extLst>
               <a:ext uri="{FF2B5EF4-FFF2-40B4-BE49-F238E27FC236}">
-                <a16:creationId xmlns:a16="http://schemas.microsoft.com/office/drawing/2014/main" id="{26A25CDA-ACAC-AB22-B245-AEA34443242A}"/>
+                <a16:creationId xmlns:a16="http://schemas.microsoft.com/office/drawing/2014/main" id="{0D583AFB-9F2E-EBAD-6C06-2064D57E9620}"/>
               </a:ext>
             </a:extLst>
           </p:cNvPr>
@@ -1846,7 +1846,7 @@
           <p:cNvPr id="9" name="灯片编号占位符 8">
             <a:extLst>
               <a:ext uri="{FF2B5EF4-FFF2-40B4-BE49-F238E27FC236}">
-                <a16:creationId xmlns:a16="http://schemas.microsoft.com/office/drawing/2014/main" id="{0C76E783-778D-81BF-4AB6-4C9674D0D482}"/>
+                <a16:creationId xmlns:a16="http://schemas.microsoft.com/office/drawing/2014/main" id="{F27B4ED2-EA0B-8AA5-7C03-4C330CBE9CF9}"/>
               </a:ext>
             </a:extLst>
           </p:cNvPr>
@@ -1862,7 +1862,7 @@
           <a:bodyPr/>
           <a:lstStyle/>
           <a:p>
-            <a:fld id="{49860FE1-78E0-4432-A1A7-F9A5AC1D90E9}" type="slidenum">
+            <a:fld id="{AF873868-C46C-43F0-A675-389F0C8BE464}" type="slidenum">
               <a:rPr lang="zh-CN" altLang="en-US" smtClean="0"/>
               <a:t>‹#›</a:t>
             </a:fld>
@@ -1873,7 +1873,7 @@
     </p:spTree>
     <p:extLst>
       <p:ext uri="{BB962C8B-B14F-4D97-AF65-F5344CB8AC3E}">
-        <p14:creationId xmlns:p14="http://schemas.microsoft.com/office/powerpoint/2010/main" val="4049021996"/>
+        <p14:creationId xmlns:p14="http://schemas.microsoft.com/office/powerpoint/2010/main" val="2110972376"/>
       </p:ext>
     </p:extLst>
   </p:cSld>
@@ -1905,7 +1905,7 @@
           <p:cNvPr id="2" name="标题 1">
             <a:extLst>
               <a:ext uri="{FF2B5EF4-FFF2-40B4-BE49-F238E27FC236}">
-                <a16:creationId xmlns:a16="http://schemas.microsoft.com/office/drawing/2014/main" id="{DF109F84-13B8-A797-97FD-2B9DFBEFB3CA}"/>
+                <a16:creationId xmlns:a16="http://schemas.microsoft.com/office/drawing/2014/main" id="{864C8059-B79E-DD21-8FEA-56EF5114EDB4}"/>
               </a:ext>
             </a:extLst>
           </p:cNvPr>
@@ -1933,7 +1933,7 @@
           <p:cNvPr id="3" name="日期占位符 2">
             <a:extLst>
               <a:ext uri="{FF2B5EF4-FFF2-40B4-BE49-F238E27FC236}">
-                <a16:creationId xmlns:a16="http://schemas.microsoft.com/office/drawing/2014/main" id="{8C77B9C8-11F3-349F-8574-14E665ABF60A}"/>
+                <a16:creationId xmlns:a16="http://schemas.microsoft.com/office/drawing/2014/main" id="{B44C809C-CF16-A64E-5805-98B3EABBFA3C}"/>
               </a:ext>
             </a:extLst>
           </p:cNvPr>
@@ -1949,7 +1949,7 @@
           <a:bodyPr/>
           <a:lstStyle/>
           <a:p>
-            <a:fld id="{C928D33D-BAD9-43D8-981F-04325A788D02}" type="datetimeFigureOut">
+            <a:fld id="{545F13A4-FD9F-45F9-804C-875FA12D1558}" type="datetimeFigureOut">
               <a:rPr lang="zh-CN" altLang="en-US" smtClean="0"/>
               <a:t>2024/3/10</a:t>
             </a:fld>
@@ -1962,7 +1962,7 @@
           <p:cNvPr id="4" name="页脚占位符 3">
             <a:extLst>
               <a:ext uri="{FF2B5EF4-FFF2-40B4-BE49-F238E27FC236}">
-                <a16:creationId xmlns:a16="http://schemas.microsoft.com/office/drawing/2014/main" id="{6474E967-5AA2-B07B-EA75-972B3331F5FB}"/>
+                <a16:creationId xmlns:a16="http://schemas.microsoft.com/office/drawing/2014/main" id="{726458AA-1706-6133-AD57-2841DA4CBDEA}"/>
               </a:ext>
             </a:extLst>
           </p:cNvPr>
@@ -1987,7 +1987,7 @@
           <p:cNvPr id="5" name="灯片编号占位符 4">
             <a:extLst>
               <a:ext uri="{FF2B5EF4-FFF2-40B4-BE49-F238E27FC236}">
-                <a16:creationId xmlns:a16="http://schemas.microsoft.com/office/drawing/2014/main" id="{824065C7-72FE-3D0F-930D-58DCC2DA1475}"/>
+                <a16:creationId xmlns:a16="http://schemas.microsoft.com/office/drawing/2014/main" id="{E5B14F0F-A5E1-6EEF-20BA-775A43047A5C}"/>
               </a:ext>
             </a:extLst>
           </p:cNvPr>
@@ -2003,7 +2003,7 @@
           <a:bodyPr/>
           <a:lstStyle/>
           <a:p>
-            <a:fld id="{49860FE1-78E0-4432-A1A7-F9A5AC1D90E9}" type="slidenum">
+            <a:fld id="{AF873868-C46C-43F0-A675-389F0C8BE464}" type="slidenum">
               <a:rPr lang="zh-CN" altLang="en-US" smtClean="0"/>
               <a:t>‹#›</a:t>
             </a:fld>
@@ -2014,7 +2014,7 @@
     </p:spTree>
     <p:extLst>
       <p:ext uri="{BB962C8B-B14F-4D97-AF65-F5344CB8AC3E}">
-        <p14:creationId xmlns:p14="http://schemas.microsoft.com/office/powerpoint/2010/main" val="1080792553"/>
+        <p14:creationId xmlns:p14="http://schemas.microsoft.com/office/powerpoint/2010/main" val="3554003729"/>
       </p:ext>
     </p:extLst>
   </p:cSld>
@@ -2046,7 +2046,7 @@
           <p:cNvPr id="2" name="日期占位符 1">
             <a:extLst>
               <a:ext uri="{FF2B5EF4-FFF2-40B4-BE49-F238E27FC236}">
-                <a16:creationId xmlns:a16="http://schemas.microsoft.com/office/drawing/2014/main" id="{7B79C03F-4D9F-2B34-D398-B528414C6AA6}"/>
+                <a16:creationId xmlns:a16="http://schemas.microsoft.com/office/drawing/2014/main" id="{EB7A8F58-6BC2-5F55-C5F0-6CA7735D7C8A}"/>
               </a:ext>
             </a:extLst>
           </p:cNvPr>
@@ -2062,7 +2062,7 @@
           <a:bodyPr/>
           <a:lstStyle/>
           <a:p>
-            <a:fld id="{C928D33D-BAD9-43D8-981F-04325A788D02}" type="datetimeFigureOut">
+            <a:fld id="{545F13A4-FD9F-45F9-804C-875FA12D1558}" type="datetimeFigureOut">
               <a:rPr lang="zh-CN" altLang="en-US" smtClean="0"/>
               <a:t>2024/3/10</a:t>
             </a:fld>
@@ -2075,7 +2075,7 @@
           <p:cNvPr id="3" name="页脚占位符 2">
             <a:extLst>
               <a:ext uri="{FF2B5EF4-FFF2-40B4-BE49-F238E27FC236}">
-                <a16:creationId xmlns:a16="http://schemas.microsoft.com/office/drawing/2014/main" id="{7D5552E4-8E94-CC2B-D09A-8A6996F98F2C}"/>
+                <a16:creationId xmlns:a16="http://schemas.microsoft.com/office/drawing/2014/main" id="{FC34E30B-C732-B876-5233-8B8D3FF4D0FC}"/>
               </a:ext>
             </a:extLst>
           </p:cNvPr>
@@ -2100,7 +2100,7 @@
           <p:cNvPr id="4" name="灯片编号占位符 3">
             <a:extLst>
               <a:ext uri="{FF2B5EF4-FFF2-40B4-BE49-F238E27FC236}">
-                <a16:creationId xmlns:a16="http://schemas.microsoft.com/office/drawing/2014/main" id="{5029DD0A-66AC-66E8-331E-E4F43342E238}"/>
+                <a16:creationId xmlns:a16="http://schemas.microsoft.com/office/drawing/2014/main" id="{A2C38111-5EAA-4A0C-DAFB-2112C6672419}"/>
               </a:ext>
             </a:extLst>
           </p:cNvPr>
@@ -2116,7 +2116,7 @@
           <a:bodyPr/>
           <a:lstStyle/>
           <a:p>
-            <a:fld id="{49860FE1-78E0-4432-A1A7-F9A5AC1D90E9}" type="slidenum">
+            <a:fld id="{AF873868-C46C-43F0-A675-389F0C8BE464}" type="slidenum">
               <a:rPr lang="zh-CN" altLang="en-US" smtClean="0"/>
               <a:t>‹#›</a:t>
             </a:fld>
@@ -2127,7 +2127,7 @@
     </p:spTree>
     <p:extLst>
       <p:ext uri="{BB962C8B-B14F-4D97-AF65-F5344CB8AC3E}">
-        <p14:creationId xmlns:p14="http://schemas.microsoft.com/office/powerpoint/2010/main" val="1037152897"/>
+        <p14:creationId xmlns:p14="http://schemas.microsoft.com/office/powerpoint/2010/main" val="2043537069"/>
       </p:ext>
     </p:extLst>
   </p:cSld>
@@ -2159,7 +2159,7 @@
           <p:cNvPr id="2" name="标题 1">
             <a:extLst>
               <a:ext uri="{FF2B5EF4-FFF2-40B4-BE49-F238E27FC236}">
-                <a16:creationId xmlns:a16="http://schemas.microsoft.com/office/drawing/2014/main" id="{94BF3C98-2278-CE1A-19FD-1CA4CB58C50A}"/>
+                <a16:creationId xmlns:a16="http://schemas.microsoft.com/office/drawing/2014/main" id="{3BD8FC68-64A4-E66A-B989-0350E324292C}"/>
               </a:ext>
             </a:extLst>
           </p:cNvPr>
@@ -2196,7 +2196,7 @@
           <p:cNvPr id="3" name="内容占位符 2">
             <a:extLst>
               <a:ext uri="{FF2B5EF4-FFF2-40B4-BE49-F238E27FC236}">
-                <a16:creationId xmlns:a16="http://schemas.microsoft.com/office/drawing/2014/main" id="{8A84863D-2AA6-4638-46CF-9A207F3ED3A5}"/>
+                <a16:creationId xmlns:a16="http://schemas.microsoft.com/office/drawing/2014/main" id="{1E55B661-F07F-B863-C425-4EDEB6D52AA9}"/>
               </a:ext>
             </a:extLst>
           </p:cNvPr>
@@ -2286,7 +2286,7 @@
           <p:cNvPr id="4" name="文本占位符 3">
             <a:extLst>
               <a:ext uri="{FF2B5EF4-FFF2-40B4-BE49-F238E27FC236}">
-                <a16:creationId xmlns:a16="http://schemas.microsoft.com/office/drawing/2014/main" id="{C4FF8F2E-9E31-9008-72B9-109B8EAA7E2F}"/>
+                <a16:creationId xmlns:a16="http://schemas.microsoft.com/office/drawing/2014/main" id="{1FD72C20-389B-444F-BC97-D774150C2C39}"/>
               </a:ext>
             </a:extLst>
           </p:cNvPr>
@@ -2357,7 +2357,7 @@
           <p:cNvPr id="5" name="日期占位符 4">
             <a:extLst>
               <a:ext uri="{FF2B5EF4-FFF2-40B4-BE49-F238E27FC236}">
-                <a16:creationId xmlns:a16="http://schemas.microsoft.com/office/drawing/2014/main" id="{D627E924-90CF-BE41-1E75-51B8628BC362}"/>
+                <a16:creationId xmlns:a16="http://schemas.microsoft.com/office/drawing/2014/main" id="{12D8824C-7D6E-89A1-2C37-70CDF136C87D}"/>
               </a:ext>
             </a:extLst>
           </p:cNvPr>
@@ -2373,7 +2373,7 @@
           <a:bodyPr/>
           <a:lstStyle/>
           <a:p>
-            <a:fld id="{C928D33D-BAD9-43D8-981F-04325A788D02}" type="datetimeFigureOut">
+            <a:fld id="{545F13A4-FD9F-45F9-804C-875FA12D1558}" type="datetimeFigureOut">
               <a:rPr lang="zh-CN" altLang="en-US" smtClean="0"/>
               <a:t>2024/3/10</a:t>
             </a:fld>
@@ -2386,7 +2386,7 @@
           <p:cNvPr id="6" name="页脚占位符 5">
             <a:extLst>
               <a:ext uri="{FF2B5EF4-FFF2-40B4-BE49-F238E27FC236}">
-                <a16:creationId xmlns:a16="http://schemas.microsoft.com/office/drawing/2014/main" id="{297282F3-4C44-4E2F-8E47-F35FD5FA86C1}"/>
+                <a16:creationId xmlns:a16="http://schemas.microsoft.com/office/drawing/2014/main" id="{878B29E1-E622-FE87-582D-FBD86B406E5A}"/>
               </a:ext>
             </a:extLst>
           </p:cNvPr>
@@ -2411,7 +2411,7 @@
           <p:cNvPr id="7" name="灯片编号占位符 6">
             <a:extLst>
               <a:ext uri="{FF2B5EF4-FFF2-40B4-BE49-F238E27FC236}">
-                <a16:creationId xmlns:a16="http://schemas.microsoft.com/office/drawing/2014/main" id="{302829FC-FE7E-B8CB-D273-CB5664D98A34}"/>
+                <a16:creationId xmlns:a16="http://schemas.microsoft.com/office/drawing/2014/main" id="{95C83E56-6367-6328-671F-16EA324DAE12}"/>
               </a:ext>
             </a:extLst>
           </p:cNvPr>
@@ -2427,7 +2427,7 @@
           <a:bodyPr/>
           <a:lstStyle/>
           <a:p>
-            <a:fld id="{49860FE1-78E0-4432-A1A7-F9A5AC1D90E9}" type="slidenum">
+            <a:fld id="{AF873868-C46C-43F0-A675-389F0C8BE464}" type="slidenum">
               <a:rPr lang="zh-CN" altLang="en-US" smtClean="0"/>
               <a:t>‹#›</a:t>
             </a:fld>
@@ -2438,7 +2438,7 @@
     </p:spTree>
     <p:extLst>
       <p:ext uri="{BB962C8B-B14F-4D97-AF65-F5344CB8AC3E}">
-        <p14:creationId xmlns:p14="http://schemas.microsoft.com/office/powerpoint/2010/main" val="2082258681"/>
+        <p14:creationId xmlns:p14="http://schemas.microsoft.com/office/powerpoint/2010/main" val="1043734520"/>
       </p:ext>
     </p:extLst>
   </p:cSld>
@@ -2470,7 +2470,7 @@
           <p:cNvPr id="2" name="标题 1">
             <a:extLst>
               <a:ext uri="{FF2B5EF4-FFF2-40B4-BE49-F238E27FC236}">
-                <a16:creationId xmlns:a16="http://schemas.microsoft.com/office/drawing/2014/main" id="{96B69A21-B054-354F-A04D-5BEB385C5596}"/>
+                <a16:creationId xmlns:a16="http://schemas.microsoft.com/office/drawing/2014/main" id="{9F124154-6826-01B0-F26A-0EC2D6E4072B}"/>
               </a:ext>
             </a:extLst>
           </p:cNvPr>
@@ -2507,7 +2507,7 @@
           <p:cNvPr id="3" name="图片占位符 2">
             <a:extLst>
               <a:ext uri="{FF2B5EF4-FFF2-40B4-BE49-F238E27FC236}">
-                <a16:creationId xmlns:a16="http://schemas.microsoft.com/office/drawing/2014/main" id="{6B35DE8A-E73F-1D21-48AE-F562555F20AC}"/>
+                <a16:creationId xmlns:a16="http://schemas.microsoft.com/office/drawing/2014/main" id="{8C408249-3454-4571-2444-AABC3F135938}"/>
               </a:ext>
             </a:extLst>
           </p:cNvPr>
@@ -2574,7 +2574,7 @@
           <p:cNvPr id="4" name="文本占位符 3">
             <a:extLst>
               <a:ext uri="{FF2B5EF4-FFF2-40B4-BE49-F238E27FC236}">
-                <a16:creationId xmlns:a16="http://schemas.microsoft.com/office/drawing/2014/main" id="{35744CF7-5D20-29B7-6AEB-014448086F30}"/>
+                <a16:creationId xmlns:a16="http://schemas.microsoft.com/office/drawing/2014/main" id="{405881D7-05AB-C3CE-7064-3CCC38EDE1CE}"/>
               </a:ext>
             </a:extLst>
           </p:cNvPr>
@@ -2645,7 +2645,7 @@
           <p:cNvPr id="5" name="日期占位符 4">
             <a:extLst>
               <a:ext uri="{FF2B5EF4-FFF2-40B4-BE49-F238E27FC236}">
-                <a16:creationId xmlns:a16="http://schemas.microsoft.com/office/drawing/2014/main" id="{73B72F75-A984-B47D-7A9C-93096FEEFF03}"/>
+                <a16:creationId xmlns:a16="http://schemas.microsoft.com/office/drawing/2014/main" id="{C36D789D-5D01-7B1C-3822-D6859FC00515}"/>
               </a:ext>
             </a:extLst>
           </p:cNvPr>
@@ -2661,7 +2661,7 @@
           <a:bodyPr/>
           <a:lstStyle/>
           <a:p>
-            <a:fld id="{C928D33D-BAD9-43D8-981F-04325A788D02}" type="datetimeFigureOut">
+            <a:fld id="{545F13A4-FD9F-45F9-804C-875FA12D1558}" type="datetimeFigureOut">
               <a:rPr lang="zh-CN" altLang="en-US" smtClean="0"/>
               <a:t>2024/3/10</a:t>
             </a:fld>
@@ -2674,7 +2674,7 @@
           <p:cNvPr id="6" name="页脚占位符 5">
             <a:extLst>
               <a:ext uri="{FF2B5EF4-FFF2-40B4-BE49-F238E27FC236}">
-                <a16:creationId xmlns:a16="http://schemas.microsoft.com/office/drawing/2014/main" id="{9B9F586A-73F5-3F70-6EAF-8FDFDDBB3494}"/>
+                <a16:creationId xmlns:a16="http://schemas.microsoft.com/office/drawing/2014/main" id="{A62D2CAD-38CA-EA34-2096-353B1C49DAF1}"/>
               </a:ext>
             </a:extLst>
           </p:cNvPr>
@@ -2699,7 +2699,7 @@
           <p:cNvPr id="7" name="灯片编号占位符 6">
             <a:extLst>
               <a:ext uri="{FF2B5EF4-FFF2-40B4-BE49-F238E27FC236}">
-                <a16:creationId xmlns:a16="http://schemas.microsoft.com/office/drawing/2014/main" id="{3D918F5E-0EB0-E0F2-088E-E3B5B4296E2B}"/>
+                <a16:creationId xmlns:a16="http://schemas.microsoft.com/office/drawing/2014/main" id="{87B9BD04-04D5-6464-9B2C-46DE3A6904B8}"/>
               </a:ext>
             </a:extLst>
           </p:cNvPr>
@@ -2715,7 +2715,7 @@
           <a:bodyPr/>
           <a:lstStyle/>
           <a:p>
-            <a:fld id="{49860FE1-78E0-4432-A1A7-F9A5AC1D90E9}" type="slidenum">
+            <a:fld id="{AF873868-C46C-43F0-A675-389F0C8BE464}" type="slidenum">
               <a:rPr lang="zh-CN" altLang="en-US" smtClean="0"/>
               <a:t>‹#›</a:t>
             </a:fld>
@@ -2726,7 +2726,7 @@
     </p:spTree>
     <p:extLst>
       <p:ext uri="{BB962C8B-B14F-4D97-AF65-F5344CB8AC3E}">
-        <p14:creationId xmlns:p14="http://schemas.microsoft.com/office/powerpoint/2010/main" val="3003357421"/>
+        <p14:creationId xmlns:p14="http://schemas.microsoft.com/office/powerpoint/2010/main" val="1619939016"/>
       </p:ext>
     </p:extLst>
   </p:cSld>
@@ -2763,7 +2763,7 @@
           <p:cNvPr id="2" name="标题占位符 1">
             <a:extLst>
               <a:ext uri="{FF2B5EF4-FFF2-40B4-BE49-F238E27FC236}">
-                <a16:creationId xmlns:a16="http://schemas.microsoft.com/office/drawing/2014/main" id="{797ECCC5-4F8B-B9F8-20BF-816BD7136FD4}"/>
+                <a16:creationId xmlns:a16="http://schemas.microsoft.com/office/drawing/2014/main" id="{7481ED8F-837D-E5C3-31DB-348C7989F44A}"/>
               </a:ext>
             </a:extLst>
           </p:cNvPr>
@@ -2801,7 +2801,7 @@
           <p:cNvPr id="3" name="文本占位符 2">
             <a:extLst>
               <a:ext uri="{FF2B5EF4-FFF2-40B4-BE49-F238E27FC236}">
-                <a16:creationId xmlns:a16="http://schemas.microsoft.com/office/drawing/2014/main" id="{2F0F839A-C3A7-D4EF-E673-18FF2C4546B0}"/>
+                <a16:creationId xmlns:a16="http://schemas.microsoft.com/office/drawing/2014/main" id="{F5F2C4E0-43B1-3684-8613-E91185DFB3E8}"/>
               </a:ext>
             </a:extLst>
           </p:cNvPr>
@@ -2868,7 +2868,7 @@
           <p:cNvPr id="4" name="日期占位符 3">
             <a:extLst>
               <a:ext uri="{FF2B5EF4-FFF2-40B4-BE49-F238E27FC236}">
-                <a16:creationId xmlns:a16="http://schemas.microsoft.com/office/drawing/2014/main" id="{27DA1861-9F53-2932-379D-19AC4C4B7A19}"/>
+                <a16:creationId xmlns:a16="http://schemas.microsoft.com/office/drawing/2014/main" id="{081F30CE-84EB-8502-2594-75DBECAE5C86}"/>
               </a:ext>
             </a:extLst>
           </p:cNvPr>
@@ -2902,7 +2902,7 @@
             </a:lvl1pPr>
           </a:lstStyle>
           <a:p>
-            <a:fld id="{C928D33D-BAD9-43D8-981F-04325A788D02}" type="datetimeFigureOut">
+            <a:fld id="{545F13A4-FD9F-45F9-804C-875FA12D1558}" type="datetimeFigureOut">
               <a:rPr lang="zh-CN" altLang="en-US" smtClean="0"/>
               <a:t>2024/3/10</a:t>
             </a:fld>
@@ -2915,7 +2915,7 @@
           <p:cNvPr id="5" name="页脚占位符 4">
             <a:extLst>
               <a:ext uri="{FF2B5EF4-FFF2-40B4-BE49-F238E27FC236}">
-                <a16:creationId xmlns:a16="http://schemas.microsoft.com/office/drawing/2014/main" id="{D4674A1E-2955-8EBD-41CC-0CB5D1C7E2B7}"/>
+                <a16:creationId xmlns:a16="http://schemas.microsoft.com/office/drawing/2014/main" id="{E2E01F18-3E56-501F-8276-C485CCE87130}"/>
               </a:ext>
             </a:extLst>
           </p:cNvPr>
@@ -2958,7 +2958,7 @@
           <p:cNvPr id="6" name="灯片编号占位符 5">
             <a:extLst>
               <a:ext uri="{FF2B5EF4-FFF2-40B4-BE49-F238E27FC236}">
-                <a16:creationId xmlns:a16="http://schemas.microsoft.com/office/drawing/2014/main" id="{5E4100ED-5AB8-E6E9-1D35-0C930D0F6BD1}"/>
+                <a16:creationId xmlns:a16="http://schemas.microsoft.com/office/drawing/2014/main" id="{B8D80F16-5CDC-B361-953C-1E11A67C34F6}"/>
               </a:ext>
             </a:extLst>
           </p:cNvPr>
@@ -2992,7 +2992,7 @@
             </a:lvl1pPr>
           </a:lstStyle>
           <a:p>
-            <a:fld id="{49860FE1-78E0-4432-A1A7-F9A5AC1D90E9}" type="slidenum">
+            <a:fld id="{AF873868-C46C-43F0-A675-389F0C8BE464}" type="slidenum">
               <a:rPr lang="zh-CN" altLang="en-US" smtClean="0"/>
               <a:t>‹#›</a:t>
             </a:fld>
@@ -3003,7 +3003,7 @@
     </p:spTree>
     <p:extLst>
       <p:ext uri="{BB962C8B-B14F-4D97-AF65-F5344CB8AC3E}">
-        <p14:creationId xmlns:p14="http://schemas.microsoft.com/office/powerpoint/2010/main" val="3124125100"/>
+        <p14:creationId xmlns:p14="http://schemas.microsoft.com/office/powerpoint/2010/main" val="4148420189"/>
       </p:ext>
     </p:extLst>
   </p:cSld>
